--- a/img/peks2.pptx
+++ b/img/peks2.pptx
@@ -151,7 +151,7 @@
       </p14:sectionLst>
     </p:ext>
     <p:ext uri="{EFAFB233-063F-42B5-8137-9DF3F51BA10A}">
-      <p15:sldGuideLst xmlns="" xmlns:p15="http://schemas.microsoft.com/office/powerpoint/2012/main">
+      <p15:sldGuideLst xmlns:p15="http://schemas.microsoft.com/office/powerpoint/2012/main" xmlns="">
         <p15:guide id="1" orient="horz" pos="2160">
           <p15:clr>
             <a:srgbClr val="A4A3A4"/>
@@ -165,7 +165,7 @@
       </p15:sldGuideLst>
     </p:ext>
     <p:ext uri="{2D200454-40CA-4A62-9FC3-DE9A4176ACB9}">
-      <p15:notesGuideLst xmlns="" xmlns:p15="http://schemas.microsoft.com/office/powerpoint/2012/main">
+      <p15:notesGuideLst xmlns:p15="http://schemas.microsoft.com/office/powerpoint/2012/main" xmlns="">
         <p15:guide id="1" orient="horz" pos="3223">
           <p15:clr>
             <a:srgbClr val="A4A3A4"/>
@@ -1990,12 +1990,15 @@
                 <a14:m>
                   <m:oMath xmlns:m="http://schemas.openxmlformats.org/officeDocument/2006/math">
                     <m:r>
-                      <a:rPr lang="en-US" altLang="ja-JP" sz="1200" b="0" i="1" smtClean="0">
+                      <m:rPr>
+                        <m:sty m:val="p"/>
+                      </m:rPr>
+                      <a:rPr lang="en-US" altLang="ja-JP" sz="1200" b="0" i="0" smtClean="0">
                         <a:latin typeface="Cambria Math"/>
                         <a:ea typeface="ＭＳ ゴシック" pitchFamily="49" charset="-128"/>
                         <a:cs typeface="Courier New" pitchFamily="49" charset="0"/>
                       </a:rPr>
-                      <m:t>𝐸𝑛𝑐</m:t>
+                      <m:t>Enc</m:t>
                     </m:r>
                     <m:r>
                       <a:rPr lang="en-US" altLang="ja-JP" sz="1200" b="0" i="1" smtClean="0">
@@ -2154,8 +2157,8 @@
           </a:p>
         </p:txBody>
       </p:sp>
-      <mc:AlternateContent xmlns:mc="http://schemas.openxmlformats.org/markup-compatibility/2006" xmlns:a14="http://schemas.microsoft.com/office/drawing/2010/main">
-        <mc:Choice Requires="a14">
+      <mc:AlternateContent xmlns:mc="http://schemas.openxmlformats.org/markup-compatibility/2006">
+        <mc:Choice xmlns:a14="http://schemas.microsoft.com/office/drawing/2010/main" Requires="a14">
           <p:sp>
             <p:nvSpPr>
               <p:cNvPr id="50" name="テキスト ボックス 49"/>
@@ -2203,12 +2206,15 @@
                         </m:sSubPr>
                         <m:e>
                           <m:r>
-                            <a:rPr lang="en-US" altLang="ja-JP" sz="1200" b="0" i="1" smtClean="0">
+                            <m:rPr>
+                              <m:sty m:val="p"/>
+                            </m:rPr>
+                            <a:rPr lang="en-US" altLang="ja-JP" sz="1200" b="0" i="0" smtClean="0">
                               <a:latin typeface="Cambria Math"/>
                               <a:ea typeface="ＭＳ ゴシック" pitchFamily="49" charset="-128"/>
                               <a:cs typeface="Courier New" pitchFamily="49" charset="0"/>
                             </a:rPr>
-                            <m:t>𝐸𝑛𝑐</m:t>
+                            <m:t>Enc</m:t>
                           </m:r>
                           <m:r>
                             <a:rPr lang="en-US" altLang="ja-JP" sz="1200" b="0" i="1" smtClean="0">
@@ -2258,7 +2264,7 @@
             </p:txBody>
           </p:sp>
         </mc:Choice>
-        <mc:Fallback xmlns="">
+        <mc:Fallback>
           <p:sp>
             <p:nvSpPr>
               <p:cNvPr id="50" name="テキスト ボックス 49"/>
@@ -2303,8 +2309,8 @@
           </p:sp>
         </mc:Fallback>
       </mc:AlternateContent>
-      <mc:AlternateContent xmlns:mc="http://schemas.openxmlformats.org/markup-compatibility/2006" xmlns:a14="http://schemas.microsoft.com/office/drawing/2010/main">
-        <mc:Choice Requires="a14">
+      <mc:AlternateContent xmlns:mc="http://schemas.openxmlformats.org/markup-compatibility/2006">
+        <mc:Choice xmlns:a14="http://schemas.microsoft.com/office/drawing/2010/main" Requires="a14">
           <p:sp>
             <p:nvSpPr>
               <p:cNvPr id="64" name="テキスト ボックス 63"/>
@@ -2352,12 +2358,15 @@
                         </m:sSubPr>
                         <m:e>
                           <m:r>
-                            <a:rPr lang="en-US" altLang="ja-JP" sz="1200" b="0" i="1" smtClean="0">
+                            <m:rPr>
+                              <m:sty m:val="p"/>
+                            </m:rPr>
+                            <a:rPr lang="en-US" altLang="ja-JP" sz="1200" b="0" i="0" smtClean="0">
                               <a:latin typeface="Cambria Math"/>
                               <a:ea typeface="ＭＳ ゴシック" pitchFamily="49" charset="-128"/>
                               <a:cs typeface="Courier New" pitchFamily="49" charset="0"/>
                             </a:rPr>
-                            <m:t>𝐸𝑛𝑐</m:t>
+                            <m:t>Enc</m:t>
                           </m:r>
                           <m:r>
                             <a:rPr lang="en-US" altLang="ja-JP" sz="1200" b="0" i="1" smtClean="0">
@@ -2407,7 +2416,7 @@
             </p:txBody>
           </p:sp>
         </mc:Choice>
-        <mc:Fallback xmlns="">
+        <mc:Fallback>
           <p:sp>
             <p:nvSpPr>
               <p:cNvPr id="64" name="テキスト ボックス 63"/>
@@ -2452,8 +2461,8 @@
           </p:sp>
         </mc:Fallback>
       </mc:AlternateContent>
-      <mc:AlternateContent xmlns:mc="http://schemas.openxmlformats.org/markup-compatibility/2006" xmlns:a14="http://schemas.microsoft.com/office/drawing/2010/main">
-        <mc:Choice Requires="a14">
+      <mc:AlternateContent xmlns:mc="http://schemas.openxmlformats.org/markup-compatibility/2006">
+        <mc:Choice xmlns:a14="http://schemas.microsoft.com/office/drawing/2010/main" Requires="a14">
           <p:sp>
             <p:nvSpPr>
               <p:cNvPr id="65" name="テキスト ボックス 64"/>
@@ -2501,12 +2510,15 @@
                         </m:sSubPr>
                         <m:e>
                           <m:r>
-                            <a:rPr lang="en-US" altLang="ja-JP" sz="1200" b="0" i="1" smtClean="0">
+                            <m:rPr>
+                              <m:sty m:val="p"/>
+                            </m:rPr>
+                            <a:rPr lang="en-US" altLang="ja-JP" sz="1200" b="0" i="0" smtClean="0">
                               <a:latin typeface="Cambria Math"/>
                               <a:ea typeface="ＭＳ ゴシック" pitchFamily="49" charset="-128"/>
                               <a:cs typeface="Courier New" pitchFamily="49" charset="0"/>
                             </a:rPr>
-                            <m:t>𝐸𝑛𝑐</m:t>
+                            <m:t>Enc</m:t>
                           </m:r>
                           <m:r>
                             <a:rPr lang="en-US" altLang="ja-JP" sz="1200" b="0" i="1" smtClean="0">
@@ -2556,7 +2568,7 @@
             </p:txBody>
           </p:sp>
         </mc:Choice>
-        <mc:Fallback xmlns="">
+        <mc:Fallback>
           <p:sp>
             <p:nvSpPr>
               <p:cNvPr id="65" name="テキスト ボックス 64"/>
@@ -2601,8 +2613,8 @@
           </p:sp>
         </mc:Fallback>
       </mc:AlternateContent>
-      <mc:AlternateContent xmlns:mc="http://schemas.openxmlformats.org/markup-compatibility/2006" xmlns:a14="http://schemas.microsoft.com/office/drawing/2010/main">
-        <mc:Choice Requires="a14">
+      <mc:AlternateContent xmlns:mc="http://schemas.openxmlformats.org/markup-compatibility/2006">
+        <mc:Choice xmlns:a14="http://schemas.microsoft.com/office/drawing/2010/main" Requires="a14">
           <p:sp>
             <p:nvSpPr>
               <p:cNvPr id="66" name="テキスト ボックス 65"/>
@@ -2650,12 +2662,15 @@
                         </m:sSubPr>
                         <m:e>
                           <m:r>
-                            <a:rPr lang="en-US" altLang="ja-JP" sz="1200" b="0" i="1" smtClean="0">
+                            <m:rPr>
+                              <m:sty m:val="p"/>
+                            </m:rPr>
+                            <a:rPr lang="en-US" altLang="ja-JP" sz="1200" b="0" i="0" smtClean="0">
                               <a:latin typeface="Cambria Math"/>
                               <a:ea typeface="ＭＳ ゴシック" pitchFamily="49" charset="-128"/>
                               <a:cs typeface="Courier New" pitchFamily="49" charset="0"/>
                             </a:rPr>
-                            <m:t>𝐸𝑛𝑐</m:t>
+                            <m:t>Enc</m:t>
                           </m:r>
                           <m:r>
                             <a:rPr lang="en-US" altLang="ja-JP" sz="1200" b="0" i="1" smtClean="0">
@@ -2705,7 +2720,7 @@
             </p:txBody>
           </p:sp>
         </mc:Choice>
-        <mc:Fallback xmlns="">
+        <mc:Fallback>
           <p:sp>
             <p:nvSpPr>
               <p:cNvPr id="66" name="テキスト ボックス 65"/>
@@ -2750,8 +2765,8 @@
           </p:sp>
         </mc:Fallback>
       </mc:AlternateContent>
-      <mc:AlternateContent xmlns:mc="http://schemas.openxmlformats.org/markup-compatibility/2006" xmlns:a14="http://schemas.microsoft.com/office/drawing/2010/main">
-        <mc:Choice Requires="a14">
+      <mc:AlternateContent xmlns:mc="http://schemas.openxmlformats.org/markup-compatibility/2006">
+        <mc:Choice xmlns:a14="http://schemas.microsoft.com/office/drawing/2010/main" Requires="a14">
           <p:sp>
             <p:nvSpPr>
               <p:cNvPr id="67" name="テキスト ボックス 66"/>
@@ -2767,9 +2782,8 @@
                 <a:avLst/>
               </a:prstGeom>
               <a:solidFill>
-                <a:schemeClr val="accent6">
-                  <a:lumMod val="20000"/>
-                  <a:lumOff val="80000"/>
+                <a:schemeClr val="bg1">
+                  <a:lumMod val="85000"/>
                 </a:schemeClr>
               </a:solidFill>
               <a:ln w="6350" cap="rnd">
@@ -2835,7 +2849,7 @@
             </p:txBody>
           </p:sp>
         </mc:Choice>
-        <mc:Fallback xmlns="">
+        <mc:Fallback>
           <p:sp>
             <p:nvSpPr>
               <p:cNvPr id="67" name="テキスト ボックス 66"/>
@@ -3005,8 +3019,8 @@
           </p:sp>
         </mc:Fallback>
       </mc:AlternateContent>
-      <mc:AlternateContent xmlns:mc="http://schemas.openxmlformats.org/markup-compatibility/2006" xmlns:a14="http://schemas.microsoft.com/office/drawing/2010/main">
-        <mc:Choice Requires="a14">
+      <mc:AlternateContent xmlns:mc="http://schemas.openxmlformats.org/markup-compatibility/2006">
+        <mc:Choice xmlns:a14="http://schemas.microsoft.com/office/drawing/2010/main" Requires="a14">
           <p:sp>
             <p:nvSpPr>
               <p:cNvPr id="69" name="テキスト ボックス 68"/>
@@ -3022,9 +3036,8 @@
                 <a:avLst/>
               </a:prstGeom>
               <a:solidFill>
-                <a:schemeClr val="accent6">
-                  <a:lumMod val="20000"/>
-                  <a:lumOff val="80000"/>
+                <a:schemeClr val="bg1">
+                  <a:lumMod val="85000"/>
                 </a:schemeClr>
               </a:solidFill>
               <a:ln w="6350" cap="rnd">
@@ -3090,7 +3103,7 @@
             </p:txBody>
           </p:sp>
         </mc:Choice>
-        <mc:Fallback xmlns="">
+        <mc:Fallback>
           <p:sp>
             <p:nvSpPr>
               <p:cNvPr id="69" name="テキスト ボックス 68"/>
